--- a/presentation.pptx
+++ b/presentation.pptx
@@ -20787,7 +20787,7 @@
           <a:p>
             <a:fld id="{1654E698-6414-41D9-B051-CE23239BC231}" type="datetimeFigureOut">
               <a:rPr lang="en-US" smtClean="0"/>
-              <a:t>6/19/2024</a:t>
+              <a:t>6/27/2024</a:t>
             </a:fld>
             <a:endParaRPr lang="en-US"/>
           </a:p>
@@ -21982,7 +21982,7 @@
           <a:p>
             <a:fld id="{CE3A6A2F-8692-46D7-AF20-13911A8D6052}" type="datetimeFigureOut">
               <a:rPr lang="en-US" smtClean="0"/>
-              <a:t>6/19/2024</a:t>
+              <a:t>6/27/2024</a:t>
             </a:fld>
             <a:endParaRPr lang="en-US"/>
           </a:p>
@@ -22180,7 +22180,7 @@
           <a:p>
             <a:fld id="{CE3A6A2F-8692-46D7-AF20-13911A8D6052}" type="datetimeFigureOut">
               <a:rPr lang="en-US" smtClean="0"/>
-              <a:t>6/19/2024</a:t>
+              <a:t>6/27/2024</a:t>
             </a:fld>
             <a:endParaRPr lang="en-US"/>
           </a:p>
@@ -22388,7 +22388,7 @@
           <a:p>
             <a:fld id="{CE3A6A2F-8692-46D7-AF20-13911A8D6052}" type="datetimeFigureOut">
               <a:rPr lang="en-US" smtClean="0"/>
-              <a:t>6/19/2024</a:t>
+              <a:t>6/27/2024</a:t>
             </a:fld>
             <a:endParaRPr lang="en-US"/>
           </a:p>
@@ -22586,7 +22586,7 @@
           <a:p>
             <a:fld id="{CE3A6A2F-8692-46D7-AF20-13911A8D6052}" type="datetimeFigureOut">
               <a:rPr lang="en-US" smtClean="0"/>
-              <a:t>6/19/2024</a:t>
+              <a:t>6/27/2024</a:t>
             </a:fld>
             <a:endParaRPr lang="en-US"/>
           </a:p>
@@ -22861,7 +22861,7 @@
           <a:p>
             <a:fld id="{CE3A6A2F-8692-46D7-AF20-13911A8D6052}" type="datetimeFigureOut">
               <a:rPr lang="en-US" smtClean="0"/>
-              <a:t>6/19/2024</a:t>
+              <a:t>6/27/2024</a:t>
             </a:fld>
             <a:endParaRPr lang="en-US"/>
           </a:p>
@@ -23126,7 +23126,7 @@
           <a:p>
             <a:fld id="{CE3A6A2F-8692-46D7-AF20-13911A8D6052}" type="datetimeFigureOut">
               <a:rPr lang="en-US" smtClean="0"/>
-              <a:t>6/19/2024</a:t>
+              <a:t>6/27/2024</a:t>
             </a:fld>
             <a:endParaRPr lang="en-US"/>
           </a:p>
@@ -23538,7 +23538,7 @@
           <a:p>
             <a:fld id="{CE3A6A2F-8692-46D7-AF20-13911A8D6052}" type="datetimeFigureOut">
               <a:rPr lang="en-US" smtClean="0"/>
-              <a:t>6/19/2024</a:t>
+              <a:t>6/27/2024</a:t>
             </a:fld>
             <a:endParaRPr lang="en-US"/>
           </a:p>
@@ -23679,7 +23679,7 @@
           <a:p>
             <a:fld id="{CE3A6A2F-8692-46D7-AF20-13911A8D6052}" type="datetimeFigureOut">
               <a:rPr lang="en-US" smtClean="0"/>
-              <a:t>6/19/2024</a:t>
+              <a:t>6/27/2024</a:t>
             </a:fld>
             <a:endParaRPr lang="en-US"/>
           </a:p>
@@ -23792,7 +23792,7 @@
           <a:p>
             <a:fld id="{CE3A6A2F-8692-46D7-AF20-13911A8D6052}" type="datetimeFigureOut">
               <a:rPr lang="en-US" smtClean="0"/>
-              <a:t>6/19/2024</a:t>
+              <a:t>6/27/2024</a:t>
             </a:fld>
             <a:endParaRPr lang="en-US"/>
           </a:p>
@@ -24103,7 +24103,7 @@
           <a:p>
             <a:fld id="{CE3A6A2F-8692-46D7-AF20-13911A8D6052}" type="datetimeFigureOut">
               <a:rPr lang="en-US" smtClean="0"/>
-              <a:t>6/19/2024</a:t>
+              <a:t>6/27/2024</a:t>
             </a:fld>
             <a:endParaRPr lang="en-US"/>
           </a:p>
@@ -24391,7 +24391,7 @@
           <a:p>
             <a:fld id="{CE3A6A2F-8692-46D7-AF20-13911A8D6052}" type="datetimeFigureOut">
               <a:rPr lang="en-US" smtClean="0"/>
-              <a:t>6/19/2024</a:t>
+              <a:t>6/27/2024</a:t>
             </a:fld>
             <a:endParaRPr lang="en-US"/>
           </a:p>
@@ -24632,7 +24632,7 @@
           <a:p>
             <a:fld id="{CE3A6A2F-8692-46D7-AF20-13911A8D6052}" type="datetimeFigureOut">
               <a:rPr lang="en-US" smtClean="0"/>
-              <a:t>6/19/2024</a:t>
+              <a:t>6/27/2024</a:t>
             </a:fld>
             <a:endParaRPr lang="en-US"/>
           </a:p>
@@ -25192,14 +25192,14 @@
             <a:pPr algn="l"/>
             <a:r>
               <a:rPr lang="en-US" sz="2000" dirty="0"/>
-              <a:t>Student Number: </a:t>
+              <a:t>Student Number: M00891519 </a:t>
             </a:r>
           </a:p>
           <a:p>
             <a:pPr algn="l"/>
             <a:r>
               <a:rPr lang="en-US" sz="2000" dirty="0"/>
-              <a:t>June 2024</a:t>
+              <a:t>Name: Ankit KC</a:t>
             </a:r>
           </a:p>
         </p:txBody>
